--- a/Reports/Seminars/E11- Poster - Decoding Barcode Images with YOLOv8 and REAL-ESRGAN.pptx
+++ b/Reports/Seminars/E11- Poster - Decoding Barcode Images with YOLOv8 and REAL-ESRGAN.pptx
@@ -465,7 +465,7 @@
           <a:p>
             <a:fld id="{5994F01D-F726-446E-8151-F6C95A72364C}" type="datetimeFigureOut">
               <a:rPr lang="zh-TW" altLang="en-US" smtClean="0"/>
-              <a:t>2023/11/22</a:t>
+              <a:t>2023/11/23</a:t>
             </a:fld>
             <a:endParaRPr lang="zh-TW" altLang="en-US"/>
           </a:p>
@@ -909,7 +909,7 @@
           <a:p>
             <a:fld id="{C9C99A3F-FDB3-4F70-9BE1-CE383CCAFA7A}" type="datetimeFigureOut">
               <a:rPr lang="zh-TW" altLang="en-US" smtClean="0"/>
-              <a:t>2023/11/22</a:t>
+              <a:t>2023/11/23</a:t>
             </a:fld>
             <a:endParaRPr lang="zh-TW" altLang="en-US"/>
           </a:p>
@@ -1107,7 +1107,7 @@
           <a:p>
             <a:fld id="{C9C99A3F-FDB3-4F70-9BE1-CE383CCAFA7A}" type="datetimeFigureOut">
               <a:rPr lang="zh-TW" altLang="en-US" smtClean="0"/>
-              <a:t>2023/11/22</a:t>
+              <a:t>2023/11/23</a:t>
             </a:fld>
             <a:endParaRPr lang="zh-TW" altLang="en-US"/>
           </a:p>
@@ -1315,7 +1315,7 @@
           <a:p>
             <a:fld id="{C9C99A3F-FDB3-4F70-9BE1-CE383CCAFA7A}" type="datetimeFigureOut">
               <a:rPr lang="zh-TW" altLang="en-US" smtClean="0"/>
-              <a:t>2023/11/22</a:t>
+              <a:t>2023/11/23</a:t>
             </a:fld>
             <a:endParaRPr lang="zh-TW" altLang="en-US"/>
           </a:p>
@@ -1535,7 +1535,7 @@
           <a:p>
             <a:fld id="{C9C99A3F-FDB3-4F70-9BE1-CE383CCAFA7A}" type="datetimeFigureOut">
               <a:rPr lang="zh-TW" altLang="en-US" smtClean="0"/>
-              <a:t>2023/11/22</a:t>
+              <a:t>2023/11/23</a:t>
             </a:fld>
             <a:endParaRPr lang="zh-TW" altLang="en-US"/>
           </a:p>
@@ -1733,7 +1733,7 @@
           <a:p>
             <a:fld id="{C9C99A3F-FDB3-4F70-9BE1-CE383CCAFA7A}" type="datetimeFigureOut">
               <a:rPr lang="zh-TW" altLang="en-US" smtClean="0"/>
-              <a:t>2023/11/22</a:t>
+              <a:t>2023/11/23</a:t>
             </a:fld>
             <a:endParaRPr lang="zh-TW" altLang="en-US"/>
           </a:p>
@@ -2008,7 +2008,7 @@
           <a:p>
             <a:fld id="{C9C99A3F-FDB3-4F70-9BE1-CE383CCAFA7A}" type="datetimeFigureOut">
               <a:rPr lang="zh-TW" altLang="en-US" smtClean="0"/>
-              <a:t>2023/11/22</a:t>
+              <a:t>2023/11/23</a:t>
             </a:fld>
             <a:endParaRPr lang="zh-TW" altLang="en-US"/>
           </a:p>
@@ -2273,7 +2273,7 @@
           <a:p>
             <a:fld id="{C9C99A3F-FDB3-4F70-9BE1-CE383CCAFA7A}" type="datetimeFigureOut">
               <a:rPr lang="zh-TW" altLang="en-US" smtClean="0"/>
-              <a:t>2023/11/22</a:t>
+              <a:t>2023/11/23</a:t>
             </a:fld>
             <a:endParaRPr lang="zh-TW" altLang="en-US"/>
           </a:p>
@@ -2685,7 +2685,7 @@
           <a:p>
             <a:fld id="{C9C99A3F-FDB3-4F70-9BE1-CE383CCAFA7A}" type="datetimeFigureOut">
               <a:rPr lang="zh-TW" altLang="en-US" smtClean="0"/>
-              <a:t>2023/11/22</a:t>
+              <a:t>2023/11/23</a:t>
             </a:fld>
             <a:endParaRPr lang="zh-TW" altLang="en-US"/>
           </a:p>
@@ -2826,7 +2826,7 @@
           <a:p>
             <a:fld id="{C9C99A3F-FDB3-4F70-9BE1-CE383CCAFA7A}" type="datetimeFigureOut">
               <a:rPr lang="zh-TW" altLang="en-US" smtClean="0"/>
-              <a:t>2023/11/22</a:t>
+              <a:t>2023/11/23</a:t>
             </a:fld>
             <a:endParaRPr lang="zh-TW" altLang="en-US"/>
           </a:p>
@@ -2939,7 +2939,7 @@
           <a:p>
             <a:fld id="{C9C99A3F-FDB3-4F70-9BE1-CE383CCAFA7A}" type="datetimeFigureOut">
               <a:rPr lang="zh-TW" altLang="en-US" smtClean="0"/>
-              <a:t>2023/11/22</a:t>
+              <a:t>2023/11/23</a:t>
             </a:fld>
             <a:endParaRPr lang="zh-TW" altLang="en-US"/>
           </a:p>
@@ -3250,7 +3250,7 @@
           <a:p>
             <a:fld id="{C9C99A3F-FDB3-4F70-9BE1-CE383CCAFA7A}" type="datetimeFigureOut">
               <a:rPr lang="zh-TW" altLang="en-US" smtClean="0"/>
-              <a:t>2023/11/22</a:t>
+              <a:t>2023/11/23</a:t>
             </a:fld>
             <a:endParaRPr lang="zh-TW" altLang="en-US"/>
           </a:p>
@@ -3491,7 +3491,7 @@
           <a:p>
             <a:fld id="{C9C99A3F-FDB3-4F70-9BE1-CE383CCAFA7A}" type="datetimeFigureOut">
               <a:rPr lang="zh-TW" altLang="en-US" smtClean="0"/>
-              <a:t>2023/11/22</a:t>
+              <a:t>2023/11/23</a:t>
             </a:fld>
             <a:endParaRPr lang="zh-TW" altLang="en-US"/>
           </a:p>
